--- a/BSGIP Logoset/Templates/BSGIP Powerpoint Template.pptx
+++ b/BSGIP Logoset/Templates/BSGIP Powerpoint Template.pptx
@@ -70,7 +70,7 @@
         <a:sym typeface="Arial"/>
       </a:defRPr>
     </a:lvl1pPr>
-    <a:lvl2pPr marL="0" marR="0" indent="457200" algn="l" defTabSz="914400" rtl="0" fontAlgn="auto" latinLnBrk="0" hangingPunct="0">
+    <a:lvl2pPr marL="0" marR="0" indent="0" algn="l" defTabSz="914400" rtl="0" fontAlgn="auto" latinLnBrk="0" hangingPunct="0">
       <a:lnSpc>
         <a:spcPct val="100000"/>
       </a:lnSpc>
@@ -100,7 +100,7 @@
         <a:sym typeface="Arial"/>
       </a:defRPr>
     </a:lvl2pPr>
-    <a:lvl3pPr marL="0" marR="0" indent="914400" algn="l" defTabSz="914400" rtl="0" fontAlgn="auto" latinLnBrk="0" hangingPunct="0">
+    <a:lvl3pPr marL="0" marR="0" indent="0" algn="l" defTabSz="914400" rtl="0" fontAlgn="auto" latinLnBrk="0" hangingPunct="0">
       <a:lnSpc>
         <a:spcPct val="100000"/>
       </a:lnSpc>
@@ -130,7 +130,7 @@
         <a:sym typeface="Arial"/>
       </a:defRPr>
     </a:lvl3pPr>
-    <a:lvl4pPr marL="0" marR="0" indent="1371600" algn="l" defTabSz="914400" rtl="0" fontAlgn="auto" latinLnBrk="0" hangingPunct="0">
+    <a:lvl4pPr marL="0" marR="0" indent="0" algn="l" defTabSz="914400" rtl="0" fontAlgn="auto" latinLnBrk="0" hangingPunct="0">
       <a:lnSpc>
         <a:spcPct val="100000"/>
       </a:lnSpc>
@@ -160,7 +160,7 @@
         <a:sym typeface="Arial"/>
       </a:defRPr>
     </a:lvl4pPr>
-    <a:lvl5pPr marL="0" marR="0" indent="1828800" algn="l" defTabSz="914400" rtl="0" fontAlgn="auto" latinLnBrk="0" hangingPunct="0">
+    <a:lvl5pPr marL="0" marR="0" indent="0" algn="l" defTabSz="914400" rtl="0" fontAlgn="auto" latinLnBrk="0" hangingPunct="0">
       <a:lnSpc>
         <a:spcPct val="100000"/>
       </a:lnSpc>
@@ -190,7 +190,7 @@
         <a:sym typeface="Arial"/>
       </a:defRPr>
     </a:lvl5pPr>
-    <a:lvl6pPr marL="0" marR="0" indent="2286000" algn="l" defTabSz="914400" rtl="0" fontAlgn="auto" latinLnBrk="0" hangingPunct="0">
+    <a:lvl6pPr marL="0" marR="0" indent="0" algn="l" defTabSz="914400" rtl="0" fontAlgn="auto" latinLnBrk="0" hangingPunct="0">
       <a:lnSpc>
         <a:spcPct val="100000"/>
       </a:lnSpc>
@@ -220,7 +220,7 @@
         <a:sym typeface="Arial"/>
       </a:defRPr>
     </a:lvl6pPr>
-    <a:lvl7pPr marL="0" marR="0" indent="2743200" algn="l" defTabSz="914400" rtl="0" fontAlgn="auto" latinLnBrk="0" hangingPunct="0">
+    <a:lvl7pPr marL="0" marR="0" indent="0" algn="l" defTabSz="914400" rtl="0" fontAlgn="auto" latinLnBrk="0" hangingPunct="0">
       <a:lnSpc>
         <a:spcPct val="100000"/>
       </a:lnSpc>
@@ -250,7 +250,7 @@
         <a:sym typeface="Arial"/>
       </a:defRPr>
     </a:lvl7pPr>
-    <a:lvl8pPr marL="0" marR="0" indent="3200400" algn="l" defTabSz="914400" rtl="0" fontAlgn="auto" latinLnBrk="0" hangingPunct="0">
+    <a:lvl8pPr marL="0" marR="0" indent="0" algn="l" defTabSz="914400" rtl="0" fontAlgn="auto" latinLnBrk="0" hangingPunct="0">
       <a:lnSpc>
         <a:spcPct val="100000"/>
       </a:lnSpc>
@@ -280,7 +280,7 @@
         <a:sym typeface="Arial"/>
       </a:defRPr>
     </a:lvl8pPr>
-    <a:lvl9pPr marL="0" marR="0" indent="3657600" algn="l" defTabSz="914400" rtl="0" fontAlgn="auto" latinLnBrk="0" hangingPunct="0">
+    <a:lvl9pPr marL="0" marR="0" indent="0" algn="l" defTabSz="914400" rtl="0" fontAlgn="auto" latinLnBrk="0" hangingPunct="0">
       <a:lnSpc>
         <a:spcPct val="100000"/>
       </a:lnSpc>
@@ -337,7 +337,7 @@
       </p:grpSpPr>
       <p:sp>
         <p:nvSpPr>
-          <p:cNvPr id="126" name="Shape 126"/>
+          <p:cNvPr id="118" name="Shape 118"/>
           <p:cNvSpPr/>
           <p:nvPr>
             <p:ph type="sldImg"/>
@@ -362,7 +362,7 @@
       </p:sp>
       <p:sp>
         <p:nvSpPr>
-          <p:cNvPr id="127" name="Shape 127"/>
+          <p:cNvPr id="119" name="Shape 119"/>
           <p:cNvSpPr/>
           <p:nvPr>
             <p:ph type="body" sz="quarter" idx="1"/>
@@ -511,7 +511,7 @@
       </p:grpSpPr>
       <p:pic>
         <p:nvPicPr>
-          <p:cNvPr id="15" name="background-blur.png" descr="background-blur.png"/>
+          <p:cNvPr id="14" name="background-blur.png" descr="background-blur.png"/>
           <p:cNvPicPr>
             <a:picLocks noChangeAspect="1"/>
           </p:cNvPicPr>
@@ -527,8 +527,8 @@
         </p:blipFill>
         <p:spPr>
           <a:xfrm>
-            <a:off x="-5261" y="-635000"/>
-            <a:ext cx="9154522" cy="6865891"/>
+            <a:off x="-5262" y="-635000"/>
+            <a:ext cx="9154523" cy="6865891"/>
           </a:xfrm>
           <a:prstGeom prst="rect">
             <a:avLst/>
@@ -540,14 +540,14 @@
       </p:pic>
       <p:sp>
         <p:nvSpPr>
-          <p:cNvPr id="16" name="Rectangle 2"/>
+          <p:cNvPr id="15" name="Rectangle 2"/>
           <p:cNvSpPr/>
           <p:nvPr/>
         </p:nvSpPr>
         <p:spPr>
           <a:xfrm>
-            <a:off x="0" y="4137163"/>
-            <a:ext cx="9144000" cy="1006337"/>
+            <a:off x="0" y="4137162"/>
+            <a:ext cx="9144000" cy="1006338"/>
           </a:xfrm>
           <a:prstGeom prst="rect">
             <a:avLst/>
@@ -560,7 +560,7 @@
           </a:ln>
         </p:spPr>
         <p:txBody>
-          <a:bodyPr lIns="45719" rIns="45719" anchor="ctr"/>
+          <a:bodyPr lIns="45718" tIns="45718" rIns="45718" bIns="45718" anchor="ctr"/>
           <a:lstStyle/>
           <a:p>
             <a:pPr/>
@@ -569,7 +569,7 @@
       </p:sp>
       <p:sp>
         <p:nvSpPr>
-          <p:cNvPr id="17" name="Body Level One…"/>
+          <p:cNvPr id="16" name="Body Level One…"/>
           <p:cNvSpPr txBox="1"/>
           <p:nvPr>
             <p:ph type="body" sz="quarter" idx="1"/>
@@ -578,7 +578,7 @@
         <p:spPr>
           <a:xfrm>
             <a:off x="468312" y="4213621"/>
-            <a:ext cx="8280401" cy="523221"/>
+            <a:ext cx="8280401" cy="523222"/>
           </a:xfrm>
           <a:prstGeom prst="rect">
             <a:avLst/>
@@ -619,7 +619,7 @@
                 </a:solidFill>
               </a:defRPr>
             </a:lvl3pPr>
-            <a:lvl4pPr marL="1691639" indent="-320039">
+            <a:lvl4pPr marL="1691638" indent="-320038">
               <a:spcBef>
                 <a:spcPts val="600"/>
               </a:spcBef>
@@ -629,7 +629,7 @@
                 </a:solidFill>
               </a:defRPr>
             </a:lvl4pPr>
-            <a:lvl5pPr marL="2148839" indent="-320039">
+            <a:lvl5pPr marL="2148838" indent="-320038">
               <a:spcBef>
                 <a:spcPts val="600"/>
               </a:spcBef>
@@ -674,7 +674,7 @@
       </p:sp>
       <p:sp>
         <p:nvSpPr>
-          <p:cNvPr id="18" name="Title Text"/>
+          <p:cNvPr id="17" name="Title Text"/>
           <p:cNvSpPr txBox="1"/>
           <p:nvPr>
             <p:ph type="title"/>
@@ -683,7 +683,7 @@
         <p:spPr>
           <a:xfrm>
             <a:off x="468315" y="3490409"/>
-            <a:ext cx="8207376" cy="646332"/>
+            <a:ext cx="8207376" cy="646333"/>
           </a:xfrm>
           <a:prstGeom prst="rect">
             <a:avLst/>
@@ -710,7 +710,7 @@
       </p:sp>
       <p:pic>
         <p:nvPicPr>
-          <p:cNvPr id="19" name="BSGIP ANU Lockup Reversed Mono.pdf" descr="BSGIP ANU Lockup Reversed Mono.pdf"/>
+          <p:cNvPr id="18" name="BSGIP ANU Logo Shield Reversed Mono.pdf" descr="BSGIP ANU Logo Shield Reversed Mono.pdf"/>
           <p:cNvPicPr>
             <a:picLocks noChangeAspect="1"/>
           </p:cNvPicPr>
@@ -720,6 +720,7 @@
           <a:blip r:embed="rId3">
             <a:extLst/>
           </a:blip>
+          <a:srcRect l="0" t="392" r="0" b="392"/>
           <a:stretch>
             <a:fillRect/>
           </a:stretch>
@@ -739,37 +740,7 @@
       </p:pic>
       <p:sp>
         <p:nvSpPr>
-          <p:cNvPr id="20" name="Text"/>
-          <p:cNvSpPr txBox="1"/>
-          <p:nvPr/>
-        </p:nvSpPr>
-        <p:spPr>
-          <a:xfrm>
-            <a:off x="8280613" y="4743450"/>
-            <a:ext cx="406188" cy="264255"/>
-          </a:xfrm>
-          <a:prstGeom prst="rect">
-            <a:avLst/>
-          </a:prstGeom>
-          <a:ln w="12700">
-            <a:miter lim="400000"/>
-          </a:ln>
-        </p:spPr>
-        <p:txBody>
-          <a:bodyPr wrap="none" lIns="45719" rIns="45719">
-            <a:spAutoFit/>
-          </a:bodyPr>
-          <a:lstStyle/>
-          <a:p>
-            <a:pPr algn="r">
-              <a:defRPr b="1" sz="1200"/>
-            </a:pPr>
-          </a:p>
-        </p:txBody>
-      </p:sp>
-      <p:sp>
-        <p:nvSpPr>
-          <p:cNvPr id="21" name="Slide Number"/>
+          <p:cNvPr id="19" name="Slide Number"/>
           <p:cNvSpPr txBox="1"/>
           <p:nvPr>
             <p:ph type="sldNum" sz="quarter" idx="2"/>
@@ -777,8 +748,8 @@
         </p:nvSpPr>
         <p:spPr>
           <a:xfrm>
-            <a:off x="8384892" y="4684712"/>
-            <a:ext cx="301909" cy="288825"/>
+            <a:off x="8384895" y="4684712"/>
+            <a:ext cx="301907" cy="288822"/>
           </a:xfrm>
           <a:prstGeom prst="rect">
             <a:avLst/>
@@ -821,7 +792,7 @@
       </p:grpSpPr>
       <p:sp>
         <p:nvSpPr>
-          <p:cNvPr id="28" name="Title Text"/>
+          <p:cNvPr id="26" name="Title Text"/>
           <p:cNvSpPr txBox="1"/>
           <p:nvPr>
             <p:ph type="title"/>
@@ -845,7 +816,7 @@
       </p:sp>
       <p:sp>
         <p:nvSpPr>
-          <p:cNvPr id="29" name="Body Level One…"/>
+          <p:cNvPr id="27" name="Body Level One…"/>
           <p:cNvSpPr txBox="1"/>
           <p:nvPr>
             <p:ph type="body" idx="1"/>
@@ -893,7 +864,7 @@
       </p:sp>
       <p:sp>
         <p:nvSpPr>
-          <p:cNvPr id="30" name="Slide Number"/>
+          <p:cNvPr id="28" name="Slide Number"/>
           <p:cNvSpPr txBox="1"/>
           <p:nvPr>
             <p:ph type="sldNum" sz="quarter" idx="2"/>
@@ -941,7 +912,7 @@
       </p:grpSpPr>
       <p:pic>
         <p:nvPicPr>
-          <p:cNvPr id="37" name="background-blur.png" descr="background-blur.png"/>
+          <p:cNvPr id="35" name="background-blur.png" descr="background-blur.png"/>
           <p:cNvPicPr>
             <a:picLocks noChangeAspect="1"/>
           </p:cNvPicPr>
@@ -957,8 +928,8 @@
         </p:blipFill>
         <p:spPr>
           <a:xfrm>
-            <a:off x="-5261" y="-635000"/>
-            <a:ext cx="9154522" cy="6865891"/>
+            <a:off x="-5262" y="-635000"/>
+            <a:ext cx="9154523" cy="6865891"/>
           </a:xfrm>
           <a:prstGeom prst="rect">
             <a:avLst/>
@@ -970,14 +941,14 @@
       </p:pic>
       <p:sp>
         <p:nvSpPr>
-          <p:cNvPr id="38" name="Rectangle 2"/>
+          <p:cNvPr id="36" name="Rectangle 2"/>
           <p:cNvSpPr/>
           <p:nvPr/>
         </p:nvSpPr>
         <p:spPr>
           <a:xfrm>
-            <a:off x="0" y="4137163"/>
-            <a:ext cx="9144000" cy="1006337"/>
+            <a:off x="0" y="4137162"/>
+            <a:ext cx="9144000" cy="1006338"/>
           </a:xfrm>
           <a:prstGeom prst="rect">
             <a:avLst/>
@@ -990,7 +961,7 @@
           </a:ln>
         </p:spPr>
         <p:txBody>
-          <a:bodyPr lIns="45719" rIns="45719" anchor="ctr"/>
+          <a:bodyPr lIns="45718" tIns="45718" rIns="45718" bIns="45718" anchor="ctr"/>
           <a:lstStyle/>
           <a:p>
             <a:pPr/>
@@ -999,7 +970,7 @@
       </p:sp>
       <p:pic>
         <p:nvPicPr>
-          <p:cNvPr id="39" name="BSGIP ANU Lockup Reversed Mono.pdf" descr="BSGIP ANU Lockup Reversed Mono.pdf"/>
+          <p:cNvPr id="37" name="BSGIP ANU Logo Shield Reversed Mono.pdf" descr="BSGIP ANU Logo Shield Reversed Mono.pdf"/>
           <p:cNvPicPr>
             <a:picLocks noChangeAspect="1"/>
           </p:cNvPicPr>
@@ -1009,6 +980,7 @@
           <a:blip r:embed="rId3">
             <a:extLst/>
           </a:blip>
+          <a:srcRect l="0" t="392" r="0" b="392"/>
           <a:stretch>
             <a:fillRect/>
           </a:stretch>
@@ -1028,14 +1000,14 @@
       </p:pic>
       <p:sp>
         <p:nvSpPr>
-          <p:cNvPr id="40" name="Title Text"/>
+          <p:cNvPr id="38" name="Title Text"/>
           <p:cNvSpPr txBox="1"/>
           <p:nvPr/>
         </p:nvSpPr>
         <p:spPr>
           <a:xfrm>
-            <a:off x="468315" y="3490409"/>
-            <a:ext cx="8207376" cy="646332"/>
+            <a:off x="468315" y="3490410"/>
+            <a:ext cx="8207376" cy="646331"/>
           </a:xfrm>
           <a:prstGeom prst="rect">
             <a:avLst/>
@@ -1050,7 +1022,7 @@
           </a:extLst>
         </p:spPr>
         <p:txBody>
-          <a:bodyPr lIns="45719" rIns="45719" anchor="ctr">
+          <a:bodyPr lIns="45718" tIns="45718" rIns="45718" bIns="45718" anchor="ctr">
             <a:normAutofit fontScale="100000" lnSpcReduction="0"/>
           </a:bodyPr>
           <a:lstStyle>
@@ -1072,7 +1044,7 @@
       </p:sp>
       <p:sp>
         <p:nvSpPr>
-          <p:cNvPr id="41" name="Title Text"/>
+          <p:cNvPr id="39" name="Title Text"/>
           <p:cNvSpPr txBox="1"/>
           <p:nvPr/>
         </p:nvSpPr>
@@ -1094,7 +1066,7 @@
           </a:extLst>
         </p:spPr>
         <p:txBody>
-          <a:bodyPr lIns="45719" rIns="45719" anchor="ctr">
+          <a:bodyPr lIns="45718" tIns="45718" rIns="45718" bIns="45718" anchor="ctr">
             <a:normAutofit fontScale="100000" lnSpcReduction="0"/>
           </a:bodyPr>
           <a:lstStyle>
@@ -1116,37 +1088,7 @@
       </p:sp>
       <p:sp>
         <p:nvSpPr>
-          <p:cNvPr id="42" name="Text"/>
-          <p:cNvSpPr txBox="1"/>
-          <p:nvPr/>
-        </p:nvSpPr>
-        <p:spPr>
-          <a:xfrm>
-            <a:off x="8280613" y="4743450"/>
-            <a:ext cx="406188" cy="264255"/>
-          </a:xfrm>
-          <a:prstGeom prst="rect">
-            <a:avLst/>
-          </a:prstGeom>
-          <a:ln w="12700">
-            <a:miter lim="400000"/>
-          </a:ln>
-        </p:spPr>
-        <p:txBody>
-          <a:bodyPr wrap="none" lIns="45719" rIns="45719">
-            <a:spAutoFit/>
-          </a:bodyPr>
-          <a:lstStyle/>
-          <a:p>
-            <a:pPr algn="r">
-              <a:defRPr b="1" sz="1200"/>
-            </a:pPr>
-          </a:p>
-        </p:txBody>
-      </p:sp>
-      <p:sp>
-        <p:nvSpPr>
-          <p:cNvPr id="43" name="Slide Number"/>
+          <p:cNvPr id="40" name="Slide Number"/>
           <p:cNvSpPr txBox="1"/>
           <p:nvPr>
             <p:ph type="sldNum" sz="quarter" idx="2"/>
@@ -1194,7 +1136,7 @@
       </p:grpSpPr>
       <p:sp>
         <p:nvSpPr>
-          <p:cNvPr id="50" name="Title Text"/>
+          <p:cNvPr id="47" name="Title Text"/>
           <p:cNvSpPr txBox="1"/>
           <p:nvPr>
             <p:ph type="title"/>
@@ -1218,7 +1160,7 @@
       </p:sp>
       <p:sp>
         <p:nvSpPr>
-          <p:cNvPr id="51" name="Body Level One…"/>
+          <p:cNvPr id="48" name="Body Level One…"/>
           <p:cNvSpPr txBox="1"/>
           <p:nvPr>
             <p:ph type="body" sz="half" idx="1"/>
@@ -1226,8 +1168,8 @@
         </p:nvSpPr>
         <p:spPr>
           <a:xfrm>
-            <a:off x="457200" y="1437084"/>
-            <a:ext cx="4038600" cy="3157540"/>
+            <a:off x="457200" y="1437083"/>
+            <a:ext cx="4038600" cy="3157542"/>
           </a:xfrm>
           <a:prstGeom prst="rect">
             <a:avLst/>
@@ -1256,7 +1198,7 @@
                 </a:solidFill>
               </a:defRPr>
             </a:lvl2pPr>
-            <a:lvl3pPr marL="1234439" indent="-320039">
+            <a:lvl3pPr marL="1234438" indent="-320038">
               <a:spcBef>
                 <a:spcPts val="600"/>
               </a:spcBef>
@@ -1321,7 +1263,7 @@
       </p:sp>
       <p:sp>
         <p:nvSpPr>
-          <p:cNvPr id="52" name="Rectangle 7"/>
+          <p:cNvPr id="49" name="Rectangle 7"/>
           <p:cNvSpPr/>
           <p:nvPr/>
         </p:nvSpPr>
@@ -1341,16 +1283,45 @@
           </a:ln>
         </p:spPr>
         <p:txBody>
-          <a:bodyPr lIns="45719" rIns="45719" anchor="ctr"/>
+          <a:bodyPr lIns="45718" tIns="45718" rIns="45718" bIns="45718" anchor="ctr"/>
           <a:lstStyle/>
           <a:p>
             <a:pPr algn="ctr"/>
+          </a:p>
+        </p:txBody>
+      </p:sp>
+      <p:sp>
+        <p:nvSpPr>
+          <p:cNvPr id="50" name="Rectangle 8"/>
+          <p:cNvSpPr/>
+          <p:nvPr/>
+        </p:nvSpPr>
+        <p:spPr>
+          <a:xfrm>
+            <a:off x="0" y="4875212"/>
+            <a:ext cx="9144000" cy="268289"/>
+          </a:xfrm>
+          <a:prstGeom prst="rect">
+            <a:avLst/>
+          </a:prstGeom>
+          <a:solidFill>
+            <a:srgbClr val="66CCB1"/>
+          </a:solidFill>
+          <a:ln w="12700">
+            <a:miter lim="400000"/>
+          </a:ln>
+        </p:spPr>
+        <p:txBody>
+          <a:bodyPr lIns="45718" tIns="45718" rIns="45718" bIns="45718" anchor="ctr"/>
+          <a:lstStyle/>
+          <a:p>
+            <a:pPr/>
           </a:p>
         </p:txBody>
       </p:sp>
       <p:pic>
         <p:nvPicPr>
-          <p:cNvPr id="53" name="BSGIP ANU Lockup Reversed Mono.pdf" descr="BSGIP ANU Lockup Reversed Mono.pdf"/>
+          <p:cNvPr id="51" name="BSGIP ANU Logo Shield Reversed Mono.pdf" descr="BSGIP ANU Logo Shield Reversed Mono.pdf"/>
           <p:cNvPicPr>
             <a:picLocks noChangeAspect="1"/>
           </p:cNvPicPr>
@@ -1366,8 +1337,8 @@
         </p:blipFill>
         <p:spPr>
           <a:xfrm>
-            <a:off x="462756" y="50800"/>
-            <a:ext cx="3061690" cy="511623"/>
+            <a:off x="462756" y="68656"/>
+            <a:ext cx="2872171" cy="483753"/>
           </a:xfrm>
           <a:prstGeom prst="rect">
             <a:avLst/>
@@ -1379,66 +1350,7 @@
       </p:pic>
       <p:sp>
         <p:nvSpPr>
-          <p:cNvPr id="54" name="Rectangle 8"/>
-          <p:cNvSpPr/>
-          <p:nvPr/>
-        </p:nvSpPr>
-        <p:spPr>
-          <a:xfrm>
-            <a:off x="0" y="4875212"/>
-            <a:ext cx="9144000" cy="268288"/>
-          </a:xfrm>
-          <a:prstGeom prst="rect">
-            <a:avLst/>
-          </a:prstGeom>
-          <a:solidFill>
-            <a:srgbClr val="66CCB1"/>
-          </a:solidFill>
-          <a:ln w="12700">
-            <a:miter lim="400000"/>
-          </a:ln>
-        </p:spPr>
-        <p:txBody>
-          <a:bodyPr lIns="45719" rIns="45719" anchor="ctr"/>
-          <a:lstStyle/>
-          <a:p>
-            <a:pPr/>
-          </a:p>
-        </p:txBody>
-      </p:sp>
-      <p:sp>
-        <p:nvSpPr>
-          <p:cNvPr id="55" name="Text"/>
-          <p:cNvSpPr txBox="1"/>
-          <p:nvPr/>
-        </p:nvSpPr>
-        <p:spPr>
-          <a:xfrm>
-            <a:off x="8280613" y="4870450"/>
-            <a:ext cx="406188" cy="264255"/>
-          </a:xfrm>
-          <a:prstGeom prst="rect">
-            <a:avLst/>
-          </a:prstGeom>
-          <a:ln w="12700">
-            <a:miter lim="400000"/>
-          </a:ln>
-        </p:spPr>
-        <p:txBody>
-          <a:bodyPr wrap="none" lIns="45719" rIns="45719">
-            <a:spAutoFit/>
-          </a:bodyPr>
-          <a:lstStyle/>
-          <a:p>
-            <a:pPr algn="r">
-              <a:defRPr b="1" sz="1200"/>
-            </a:pPr>
-          </a:p>
-        </p:txBody>
-      </p:sp>
-      <p:sp>
-        <p:nvSpPr>
-          <p:cNvPr id="56" name="Slide Number"/>
+          <p:cNvPr id="52" name="Slide Number"/>
           <p:cNvSpPr txBox="1"/>
           <p:nvPr>
             <p:ph type="sldNum" sz="quarter" idx="2"/>
@@ -1486,14 +1398,14 @@
       </p:grpSpPr>
       <p:sp>
         <p:nvSpPr>
-          <p:cNvPr id="63" name="Rectangle 8"/>
+          <p:cNvPr id="59" name="Rectangle 8"/>
           <p:cNvSpPr/>
           <p:nvPr/>
         </p:nvSpPr>
         <p:spPr>
           <a:xfrm>
             <a:off x="0" y="4875212"/>
-            <a:ext cx="9144000" cy="268288"/>
+            <a:ext cx="9144000" cy="268289"/>
           </a:xfrm>
           <a:prstGeom prst="rect">
             <a:avLst/>
@@ -1506,7 +1418,7 @@
           </a:ln>
         </p:spPr>
         <p:txBody>
-          <a:bodyPr lIns="45719" rIns="45719" anchor="ctr"/>
+          <a:bodyPr lIns="45718" tIns="45718" rIns="45718" bIns="45718" anchor="ctr"/>
           <a:lstStyle/>
           <a:p>
             <a:pPr/>
@@ -1515,7 +1427,7 @@
       </p:sp>
       <p:sp>
         <p:nvSpPr>
-          <p:cNvPr id="64" name="Title Text"/>
+          <p:cNvPr id="60" name="Title Text"/>
           <p:cNvSpPr txBox="1"/>
           <p:nvPr>
             <p:ph type="title"/>
@@ -1543,7 +1455,7 @@
       </p:sp>
       <p:sp>
         <p:nvSpPr>
-          <p:cNvPr id="65" name="Body Level One…"/>
+          <p:cNvPr id="61" name="Body Level One…"/>
           <p:cNvSpPr txBox="1"/>
           <p:nvPr>
             <p:ph type="body" sz="quarter" idx="1"/>
@@ -1552,7 +1464,7 @@
         <p:spPr>
           <a:xfrm>
             <a:off x="457200" y="1371848"/>
-            <a:ext cx="4040188" cy="479823"/>
+            <a:ext cx="4040188" cy="479824"/>
           </a:xfrm>
           <a:prstGeom prst="rect">
             <a:avLst/>
@@ -1569,7 +1481,7 @@
               <a:buNone/>
               <a:defRPr b="1" sz="2400"/>
             </a:lvl1pPr>
-            <a:lvl2pPr marL="0" indent="457200">
+            <a:lvl2pPr marL="0" indent="0">
               <a:spcBef>
                 <a:spcPts val="500"/>
               </a:spcBef>
@@ -1577,7 +1489,7 @@
               <a:buNone/>
               <a:defRPr b="1" sz="2400"/>
             </a:lvl2pPr>
-            <a:lvl3pPr marL="0" indent="914400">
+            <a:lvl3pPr marL="0" indent="0">
               <a:spcBef>
                 <a:spcPts val="500"/>
               </a:spcBef>
@@ -1585,7 +1497,7 @@
               <a:buNone/>
               <a:defRPr b="1" sz="2400"/>
             </a:lvl3pPr>
-            <a:lvl4pPr marL="0" indent="1371600">
+            <a:lvl4pPr marL="0" indent="0">
               <a:spcBef>
                 <a:spcPts val="500"/>
               </a:spcBef>
@@ -1593,7 +1505,7 @@
               <a:buNone/>
               <a:defRPr b="1" sz="2400"/>
             </a:lvl4pPr>
-            <a:lvl5pPr marL="0" indent="1828800">
+            <a:lvl5pPr marL="0" indent="0">
               <a:spcBef>
                 <a:spcPts val="500"/>
               </a:spcBef>
@@ -1636,16 +1548,16 @@
       </p:sp>
       <p:sp>
         <p:nvSpPr>
-          <p:cNvPr id="66" name="Text Placeholder 4"/>
+          <p:cNvPr id="62" name="Text Placeholder 4"/>
           <p:cNvSpPr/>
           <p:nvPr>
-            <p:ph type="body" sz="quarter" idx="13"/>
+            <p:ph type="body" sz="quarter" idx="21"/>
           </p:nvPr>
         </p:nvSpPr>
         <p:spPr>
           <a:xfrm>
             <a:off x="4645028" y="1371848"/>
-            <a:ext cx="4041776" cy="479823"/>
+            <a:ext cx="4041777" cy="479824"/>
           </a:xfrm>
           <a:prstGeom prst="rect">
             <a:avLst/>
@@ -1655,54 +1567,18 @@
           <a:bodyPr anchor="b"/>
           <a:lstStyle/>
           <a:p>
-            <a:pPr marL="0" indent="0">
+            <a:pPr marL="301752" indent="-301752" defTabSz="804672">
               <a:spcBef>
-                <a:spcPts val="500"/>
+                <a:spcPts val="600"/>
               </a:spcBef>
-              <a:buSzTx/>
-              <a:buNone/>
-              <a:defRPr b="1" sz="2400">
-                <a:solidFill>
-                  <a:srgbClr val="000000"/>
-                </a:solidFill>
-              </a:defRPr>
+              <a:defRPr sz="2816"/>
             </a:pPr>
           </a:p>
         </p:txBody>
       </p:sp>
       <p:sp>
         <p:nvSpPr>
-          <p:cNvPr id="67" name="Slide Number"/>
-          <p:cNvSpPr txBox="1"/>
-          <p:nvPr>
-            <p:ph type="sldNum" sz="quarter" idx="2"/>
-          </p:nvPr>
-        </p:nvSpPr>
-        <p:spPr>
-          <a:xfrm>
-            <a:off x="8413145" y="4870450"/>
-            <a:ext cx="273656" cy="264255"/>
-          </a:xfrm>
-          <a:prstGeom prst="rect">
-            <a:avLst/>
-          </a:prstGeom>
-        </p:spPr>
-        <p:txBody>
-          <a:bodyPr/>
-          <a:lstStyle>
-            <a:lvl1pPr>
-              <a:defRPr b="1" sz="1200"/>
-            </a:lvl1pPr>
-          </a:lstStyle>
-          <a:p>
-            <a:pPr/>
-            <a:fld id="{86CB4B4D-7CA3-9044-876B-883B54F8677D}" type="slidenum"/>
-          </a:p>
-        </p:txBody>
-      </p:sp>
-      <p:sp>
-        <p:nvSpPr>
-          <p:cNvPr id="68" name="Rectangle 7"/>
+          <p:cNvPr id="63" name="Rectangle 7"/>
           <p:cNvSpPr/>
           <p:nvPr/>
         </p:nvSpPr>
@@ -1722,7 +1598,7 @@
           </a:ln>
         </p:spPr>
         <p:txBody>
-          <a:bodyPr lIns="45719" rIns="45719" anchor="ctr"/>
+          <a:bodyPr lIns="45718" tIns="45718" rIns="45718" bIns="45718" anchor="ctr"/>
           <a:lstStyle/>
           <a:p>
             <a:pPr algn="ctr"/>
@@ -1731,7 +1607,7 @@
       </p:sp>
       <p:pic>
         <p:nvPicPr>
-          <p:cNvPr id="69" name="BSGIP ANU Lockup Reversed Mono.pdf" descr="BSGIP ANU Lockup Reversed Mono.pdf"/>
+          <p:cNvPr id="64" name="BSGIP ANU Logo Shield Reversed Mono.pdf" descr="BSGIP ANU Logo Shield Reversed Mono.pdf"/>
           <p:cNvPicPr>
             <a:picLocks noChangeAspect="1"/>
           </p:cNvPicPr>
@@ -1747,8 +1623,8 @@
         </p:blipFill>
         <p:spPr>
           <a:xfrm>
-            <a:off x="462756" y="50800"/>
-            <a:ext cx="3061690" cy="511623"/>
+            <a:off x="462756" y="68656"/>
+            <a:ext cx="2872171" cy="483753"/>
           </a:xfrm>
           <a:prstGeom prst="rect">
             <a:avLst/>
@@ -1758,6 +1634,36 @@
           </a:ln>
         </p:spPr>
       </p:pic>
+      <p:sp>
+        <p:nvSpPr>
+          <p:cNvPr id="65" name="Slide Number"/>
+          <p:cNvSpPr txBox="1"/>
+          <p:nvPr>
+            <p:ph type="sldNum" sz="quarter" idx="2"/>
+          </p:nvPr>
+        </p:nvSpPr>
+        <p:spPr>
+          <a:xfrm>
+            <a:off x="8413148" y="4870450"/>
+            <a:ext cx="273654" cy="264253"/>
+          </a:xfrm>
+          <a:prstGeom prst="rect">
+            <a:avLst/>
+          </a:prstGeom>
+        </p:spPr>
+        <p:txBody>
+          <a:bodyPr/>
+          <a:lstStyle>
+            <a:lvl1pPr>
+              <a:defRPr b="1" sz="1200"/>
+            </a:lvl1pPr>
+          </a:lstStyle>
+          <a:p>
+            <a:pPr/>
+            <a:fld id="{86CB4B4D-7CA3-9044-876B-883B54F8677D}" type="slidenum"/>
+          </a:p>
+        </p:txBody>
+      </p:sp>
     </p:spTree>
   </p:cSld>
   <p:clrMapOvr>
@@ -1786,7 +1692,7 @@
       </p:grpSpPr>
       <p:sp>
         <p:nvSpPr>
-          <p:cNvPr id="76" name="Title Text"/>
+          <p:cNvPr id="72" name="Title Text"/>
           <p:cNvSpPr txBox="1"/>
           <p:nvPr>
             <p:ph type="title"/>
@@ -1810,7 +1716,7 @@
       </p:sp>
       <p:sp>
         <p:nvSpPr>
-          <p:cNvPr id="77" name="Rectangle 7"/>
+          <p:cNvPr id="73" name="Rectangle 7"/>
           <p:cNvSpPr/>
           <p:nvPr/>
         </p:nvSpPr>
@@ -1830,16 +1736,45 @@
           </a:ln>
         </p:spPr>
         <p:txBody>
-          <a:bodyPr lIns="45719" rIns="45719" anchor="ctr"/>
+          <a:bodyPr lIns="45718" tIns="45718" rIns="45718" bIns="45718" anchor="ctr"/>
           <a:lstStyle/>
           <a:p>
             <a:pPr algn="ctr"/>
+          </a:p>
+        </p:txBody>
+      </p:sp>
+      <p:sp>
+        <p:nvSpPr>
+          <p:cNvPr id="74" name="Rectangle 8"/>
+          <p:cNvSpPr/>
+          <p:nvPr/>
+        </p:nvSpPr>
+        <p:spPr>
+          <a:xfrm>
+            <a:off x="0" y="4875212"/>
+            <a:ext cx="9144000" cy="268289"/>
+          </a:xfrm>
+          <a:prstGeom prst="rect">
+            <a:avLst/>
+          </a:prstGeom>
+          <a:solidFill>
+            <a:srgbClr val="66CCB1"/>
+          </a:solidFill>
+          <a:ln w="12700">
+            <a:miter lim="400000"/>
+          </a:ln>
+        </p:spPr>
+        <p:txBody>
+          <a:bodyPr lIns="45718" tIns="45718" rIns="45718" bIns="45718" anchor="ctr"/>
+          <a:lstStyle/>
+          <a:p>
+            <a:pPr/>
           </a:p>
         </p:txBody>
       </p:sp>
       <p:pic>
         <p:nvPicPr>
-          <p:cNvPr id="78" name="BSGIP ANU Lockup Reversed Mono.pdf" descr="BSGIP ANU Lockup Reversed Mono.pdf"/>
+          <p:cNvPr id="75" name="BSGIP ANU Logo Shield Reversed Mono.pdf" descr="BSGIP ANU Logo Shield Reversed Mono.pdf"/>
           <p:cNvPicPr>
             <a:picLocks noChangeAspect="1"/>
           </p:cNvPicPr>
@@ -1855,8 +1790,8 @@
         </p:blipFill>
         <p:spPr>
           <a:xfrm>
-            <a:off x="462756" y="50800"/>
-            <a:ext cx="3061690" cy="511623"/>
+            <a:off x="462756" y="68656"/>
+            <a:ext cx="2872171" cy="483753"/>
           </a:xfrm>
           <a:prstGeom prst="rect">
             <a:avLst/>
@@ -1868,66 +1803,7 @@
       </p:pic>
       <p:sp>
         <p:nvSpPr>
-          <p:cNvPr id="79" name="Rectangle 8"/>
-          <p:cNvSpPr/>
-          <p:nvPr/>
-        </p:nvSpPr>
-        <p:spPr>
-          <a:xfrm>
-            <a:off x="0" y="4875212"/>
-            <a:ext cx="9144000" cy="268288"/>
-          </a:xfrm>
-          <a:prstGeom prst="rect">
-            <a:avLst/>
-          </a:prstGeom>
-          <a:solidFill>
-            <a:srgbClr val="66CCB1"/>
-          </a:solidFill>
-          <a:ln w="12700">
-            <a:miter lim="400000"/>
-          </a:ln>
-        </p:spPr>
-        <p:txBody>
-          <a:bodyPr lIns="45719" rIns="45719" anchor="ctr"/>
-          <a:lstStyle/>
-          <a:p>
-            <a:pPr/>
-          </a:p>
-        </p:txBody>
-      </p:sp>
-      <p:sp>
-        <p:nvSpPr>
-          <p:cNvPr id="80" name="Text"/>
-          <p:cNvSpPr txBox="1"/>
-          <p:nvPr/>
-        </p:nvSpPr>
-        <p:spPr>
-          <a:xfrm>
-            <a:off x="8280613" y="4870450"/>
-            <a:ext cx="406188" cy="264255"/>
-          </a:xfrm>
-          <a:prstGeom prst="rect">
-            <a:avLst/>
-          </a:prstGeom>
-          <a:ln w="12700">
-            <a:miter lim="400000"/>
-          </a:ln>
-        </p:spPr>
-        <p:txBody>
-          <a:bodyPr wrap="none" lIns="45719" rIns="45719">
-            <a:spAutoFit/>
-          </a:bodyPr>
-          <a:lstStyle/>
-          <a:p>
-            <a:pPr algn="r">
-              <a:defRPr b="1" sz="1200"/>
-            </a:pPr>
-          </a:p>
-        </p:txBody>
-      </p:sp>
-      <p:sp>
-        <p:nvSpPr>
-          <p:cNvPr id="81" name="Slide Number"/>
+          <p:cNvPr id="76" name="Slide Number"/>
           <p:cNvSpPr txBox="1"/>
           <p:nvPr>
             <p:ph type="sldNum" sz="quarter" idx="2"/>
@@ -1975,7 +1851,7 @@
       </p:grpSpPr>
       <p:sp>
         <p:nvSpPr>
-          <p:cNvPr id="88" name="Rectangle 7"/>
+          <p:cNvPr id="83" name="Rectangle 7"/>
           <p:cNvSpPr/>
           <p:nvPr/>
         </p:nvSpPr>
@@ -1995,16 +1871,45 @@
           </a:ln>
         </p:spPr>
         <p:txBody>
-          <a:bodyPr lIns="45719" rIns="45719" anchor="ctr"/>
+          <a:bodyPr lIns="45718" tIns="45718" rIns="45718" bIns="45718" anchor="ctr"/>
           <a:lstStyle/>
           <a:p>
             <a:pPr algn="ctr"/>
+          </a:p>
+        </p:txBody>
+      </p:sp>
+      <p:sp>
+        <p:nvSpPr>
+          <p:cNvPr id="84" name="Rectangle 8"/>
+          <p:cNvSpPr/>
+          <p:nvPr/>
+        </p:nvSpPr>
+        <p:spPr>
+          <a:xfrm>
+            <a:off x="0" y="4875212"/>
+            <a:ext cx="9144000" cy="268289"/>
+          </a:xfrm>
+          <a:prstGeom prst="rect">
+            <a:avLst/>
+          </a:prstGeom>
+          <a:solidFill>
+            <a:srgbClr val="66CCB1"/>
+          </a:solidFill>
+          <a:ln w="12700">
+            <a:miter lim="400000"/>
+          </a:ln>
+        </p:spPr>
+        <p:txBody>
+          <a:bodyPr lIns="45718" tIns="45718" rIns="45718" bIns="45718" anchor="ctr"/>
+          <a:lstStyle/>
+          <a:p>
+            <a:pPr/>
           </a:p>
         </p:txBody>
       </p:sp>
       <p:pic>
         <p:nvPicPr>
-          <p:cNvPr id="89" name="BSGIP ANU Lockup Reversed Mono.pdf" descr="BSGIP ANU Lockup Reversed Mono.pdf"/>
+          <p:cNvPr id="85" name="BSGIP ANU Logo Shield Reversed Mono.pdf" descr="BSGIP ANU Logo Shield Reversed Mono.pdf"/>
           <p:cNvPicPr>
             <a:picLocks noChangeAspect="1"/>
           </p:cNvPicPr>
@@ -2020,8 +1925,8 @@
         </p:blipFill>
         <p:spPr>
           <a:xfrm>
-            <a:off x="462756" y="50800"/>
-            <a:ext cx="3061690" cy="511623"/>
+            <a:off x="462756" y="68656"/>
+            <a:ext cx="2872171" cy="483753"/>
           </a:xfrm>
           <a:prstGeom prst="rect">
             <a:avLst/>
@@ -2033,66 +1938,7 @@
       </p:pic>
       <p:sp>
         <p:nvSpPr>
-          <p:cNvPr id="90" name="Rectangle 8"/>
-          <p:cNvSpPr/>
-          <p:nvPr/>
-        </p:nvSpPr>
-        <p:spPr>
-          <a:xfrm>
-            <a:off x="0" y="4875212"/>
-            <a:ext cx="9144000" cy="268288"/>
-          </a:xfrm>
-          <a:prstGeom prst="rect">
-            <a:avLst/>
-          </a:prstGeom>
-          <a:solidFill>
-            <a:srgbClr val="66CCB1"/>
-          </a:solidFill>
-          <a:ln w="12700">
-            <a:miter lim="400000"/>
-          </a:ln>
-        </p:spPr>
-        <p:txBody>
-          <a:bodyPr lIns="45719" rIns="45719" anchor="ctr"/>
-          <a:lstStyle/>
-          <a:p>
-            <a:pPr/>
-          </a:p>
-        </p:txBody>
-      </p:sp>
-      <p:sp>
-        <p:nvSpPr>
-          <p:cNvPr id="91" name="Text"/>
-          <p:cNvSpPr txBox="1"/>
-          <p:nvPr/>
-        </p:nvSpPr>
-        <p:spPr>
-          <a:xfrm>
-            <a:off x="8280613" y="4870450"/>
-            <a:ext cx="406188" cy="264255"/>
-          </a:xfrm>
-          <a:prstGeom prst="rect">
-            <a:avLst/>
-          </a:prstGeom>
-          <a:ln w="12700">
-            <a:miter lim="400000"/>
-          </a:ln>
-        </p:spPr>
-        <p:txBody>
-          <a:bodyPr wrap="none" lIns="45719" rIns="45719">
-            <a:spAutoFit/>
-          </a:bodyPr>
-          <a:lstStyle/>
-          <a:p>
-            <a:pPr algn="r">
-              <a:defRPr b="1" sz="1200"/>
-            </a:pPr>
-          </a:p>
-        </p:txBody>
-      </p:sp>
-      <p:sp>
-        <p:nvSpPr>
-          <p:cNvPr id="92" name="Slide Number"/>
+          <p:cNvPr id="86" name="Slide Number"/>
           <p:cNvSpPr txBox="1"/>
           <p:nvPr>
             <p:ph type="sldNum" sz="quarter" idx="2"/>
@@ -2140,7 +1986,7 @@
       </p:grpSpPr>
       <p:sp>
         <p:nvSpPr>
-          <p:cNvPr id="99" name="Title Text"/>
+          <p:cNvPr id="93" name="Title Text"/>
           <p:cNvSpPr txBox="1"/>
           <p:nvPr>
             <p:ph type="title"/>
@@ -2149,7 +1995,7 @@
         <p:spPr>
           <a:xfrm>
             <a:off x="457203" y="411510"/>
-            <a:ext cx="3008314" cy="871538"/>
+            <a:ext cx="3008315" cy="871538"/>
           </a:xfrm>
           <a:prstGeom prst="rect">
             <a:avLst/>
@@ -2176,7 +2022,7 @@
       </p:sp>
       <p:sp>
         <p:nvSpPr>
-          <p:cNvPr id="100" name="Body Level One…"/>
+          <p:cNvPr id="94" name="Body Level One…"/>
           <p:cNvSpPr txBox="1"/>
           <p:nvPr>
             <p:ph type="body" idx="1"/>
@@ -2184,8 +2030,8 @@
         </p:nvSpPr>
         <p:spPr>
           <a:xfrm>
-            <a:off x="3575049" y="596279"/>
-            <a:ext cx="5111751" cy="4288236"/>
+            <a:off x="3575048" y="596279"/>
+            <a:ext cx="5111752" cy="4288236"/>
           </a:xfrm>
           <a:prstGeom prst="rect">
             <a:avLst/>
@@ -2228,16 +2074,16 @@
       </p:sp>
       <p:sp>
         <p:nvSpPr>
-          <p:cNvPr id="101" name="Text Placeholder 3"/>
+          <p:cNvPr id="95" name="Text Placeholder 3"/>
           <p:cNvSpPr/>
           <p:nvPr>
-            <p:ph type="body" sz="half" idx="13"/>
+            <p:ph type="body" sz="half" idx="21"/>
           </p:nvPr>
         </p:nvSpPr>
         <p:spPr>
           <a:xfrm>
-            <a:off x="457202" y="1347614"/>
-            <a:ext cx="3008315" cy="3518297"/>
+            <a:off x="457201" y="1347614"/>
+            <a:ext cx="3008316" cy="3518297"/>
           </a:xfrm>
           <a:prstGeom prst="rect">
             <a:avLst/>
@@ -2247,24 +2093,13 @@
           <a:bodyPr/>
           <a:lstStyle/>
           <a:p>
-            <a:pPr marL="0" indent="0">
-              <a:spcBef>
-                <a:spcPts val="300"/>
-              </a:spcBef>
-              <a:buSzTx/>
-              <a:buNone/>
-              <a:defRPr sz="1400">
-                <a:solidFill>
-                  <a:srgbClr val="000000"/>
-                </a:solidFill>
-              </a:defRPr>
-            </a:pPr>
+            <a:pPr/>
           </a:p>
         </p:txBody>
       </p:sp>
       <p:sp>
         <p:nvSpPr>
-          <p:cNvPr id="102" name="Rectangle 7"/>
+          <p:cNvPr id="96" name="Rectangle 7"/>
           <p:cNvSpPr/>
           <p:nvPr/>
         </p:nvSpPr>
@@ -2284,16 +2119,45 @@
           </a:ln>
         </p:spPr>
         <p:txBody>
-          <a:bodyPr lIns="45719" rIns="45719" anchor="ctr"/>
+          <a:bodyPr lIns="45718" tIns="45718" rIns="45718" bIns="45718" anchor="ctr"/>
           <a:lstStyle/>
           <a:p>
             <a:pPr algn="ctr"/>
+          </a:p>
+        </p:txBody>
+      </p:sp>
+      <p:sp>
+        <p:nvSpPr>
+          <p:cNvPr id="97" name="Rectangle 8"/>
+          <p:cNvSpPr/>
+          <p:nvPr/>
+        </p:nvSpPr>
+        <p:spPr>
+          <a:xfrm>
+            <a:off x="0" y="4875212"/>
+            <a:ext cx="9144000" cy="268289"/>
+          </a:xfrm>
+          <a:prstGeom prst="rect">
+            <a:avLst/>
+          </a:prstGeom>
+          <a:solidFill>
+            <a:srgbClr val="66CCB1"/>
+          </a:solidFill>
+          <a:ln w="12700">
+            <a:miter lim="400000"/>
+          </a:ln>
+        </p:spPr>
+        <p:txBody>
+          <a:bodyPr lIns="45718" tIns="45718" rIns="45718" bIns="45718" anchor="ctr"/>
+          <a:lstStyle/>
+          <a:p>
+            <a:pPr/>
           </a:p>
         </p:txBody>
       </p:sp>
       <p:pic>
         <p:nvPicPr>
-          <p:cNvPr id="103" name="BSGIP ANU Lockup Reversed Mono.pdf" descr="BSGIP ANU Lockup Reversed Mono.pdf"/>
+          <p:cNvPr id="98" name="BSGIP ANU Logo Shield Reversed Mono.pdf" descr="BSGIP ANU Logo Shield Reversed Mono.pdf"/>
           <p:cNvPicPr>
             <a:picLocks noChangeAspect="1"/>
           </p:cNvPicPr>
@@ -2309,8 +2173,8 @@
         </p:blipFill>
         <p:spPr>
           <a:xfrm>
-            <a:off x="462756" y="50800"/>
-            <a:ext cx="3061690" cy="511623"/>
+            <a:off x="462756" y="68656"/>
+            <a:ext cx="2872171" cy="483753"/>
           </a:xfrm>
           <a:prstGeom prst="rect">
             <a:avLst/>
@@ -2322,66 +2186,7 @@
       </p:pic>
       <p:sp>
         <p:nvSpPr>
-          <p:cNvPr id="104" name="Rectangle 8"/>
-          <p:cNvSpPr/>
-          <p:nvPr/>
-        </p:nvSpPr>
-        <p:spPr>
-          <a:xfrm>
-            <a:off x="0" y="4875212"/>
-            <a:ext cx="9144000" cy="268288"/>
-          </a:xfrm>
-          <a:prstGeom prst="rect">
-            <a:avLst/>
-          </a:prstGeom>
-          <a:solidFill>
-            <a:srgbClr val="66CCB1"/>
-          </a:solidFill>
-          <a:ln w="12700">
-            <a:miter lim="400000"/>
-          </a:ln>
-        </p:spPr>
-        <p:txBody>
-          <a:bodyPr lIns="45719" rIns="45719" anchor="ctr"/>
-          <a:lstStyle/>
-          <a:p>
-            <a:pPr/>
-          </a:p>
-        </p:txBody>
-      </p:sp>
-      <p:sp>
-        <p:nvSpPr>
-          <p:cNvPr id="105" name="Text"/>
-          <p:cNvSpPr txBox="1"/>
-          <p:nvPr/>
-        </p:nvSpPr>
-        <p:spPr>
-          <a:xfrm>
-            <a:off x="8280613" y="4870450"/>
-            <a:ext cx="406188" cy="264255"/>
-          </a:xfrm>
-          <a:prstGeom prst="rect">
-            <a:avLst/>
-          </a:prstGeom>
-          <a:ln w="12700">
-            <a:miter lim="400000"/>
-          </a:ln>
-        </p:spPr>
-        <p:txBody>
-          <a:bodyPr wrap="none" lIns="45719" rIns="45719">
-            <a:spAutoFit/>
-          </a:bodyPr>
-          <a:lstStyle/>
-          <a:p>
-            <a:pPr algn="r">
-              <a:defRPr b="1" sz="1200"/>
-            </a:pPr>
-          </a:p>
-        </p:txBody>
-      </p:sp>
-      <p:sp>
-        <p:nvSpPr>
-          <p:cNvPr id="106" name="Slide Number"/>
+          <p:cNvPr id="99" name="Slide Number"/>
           <p:cNvSpPr txBox="1"/>
           <p:nvPr>
             <p:ph type="sldNum" sz="quarter" idx="2"/>
@@ -2429,7 +2234,7 @@
       </p:grpSpPr>
       <p:sp>
         <p:nvSpPr>
-          <p:cNvPr id="113" name="Title Text"/>
+          <p:cNvPr id="106" name="Title Text"/>
           <p:cNvSpPr txBox="1"/>
           <p:nvPr>
             <p:ph type="title"/>
@@ -2438,7 +2243,7 @@
         <p:spPr>
           <a:xfrm>
             <a:off x="1792288" y="3795886"/>
-            <a:ext cx="5486401" cy="425055"/>
+            <a:ext cx="5486402" cy="425056"/>
           </a:xfrm>
           <a:prstGeom prst="rect">
             <a:avLst/>
@@ -2465,23 +2270,23 @@
       </p:sp>
       <p:sp>
         <p:nvSpPr>
-          <p:cNvPr id="114" name="Picture Placeholder 2"/>
+          <p:cNvPr id="107" name="Picture Placeholder 2"/>
           <p:cNvSpPr/>
           <p:nvPr>
-            <p:ph type="pic" sz="half" idx="13"/>
+            <p:ph type="pic" sz="half" idx="21"/>
           </p:nvPr>
         </p:nvSpPr>
         <p:spPr>
           <a:xfrm>
             <a:off x="1792288" y="663177"/>
-            <a:ext cx="5486401" cy="3086101"/>
+            <a:ext cx="5486402" cy="3086101"/>
           </a:xfrm>
           <a:prstGeom prst="rect">
             <a:avLst/>
           </a:prstGeom>
         </p:spPr>
         <p:txBody>
-          <a:bodyPr lIns="91439" rIns="91439">
+          <a:bodyPr lIns="91439" tIns="45719" rIns="91439" bIns="45719">
             <a:noAutofit/>
           </a:bodyPr>
           <a:lstStyle/>
@@ -2492,7 +2297,7 @@
       </p:sp>
       <p:sp>
         <p:nvSpPr>
-          <p:cNvPr id="115" name="Body Level One…"/>
+          <p:cNvPr id="108" name="Body Level One…"/>
           <p:cNvSpPr txBox="1"/>
           <p:nvPr>
             <p:ph type="body" sz="quarter" idx="1"/>
@@ -2500,8 +2305,8 @@
         </p:nvSpPr>
         <p:spPr>
           <a:xfrm>
-            <a:off x="1792288" y="4272358"/>
-            <a:ext cx="5486401" cy="603649"/>
+            <a:off x="1792288" y="4272357"/>
+            <a:ext cx="5486402" cy="603650"/>
           </a:xfrm>
           <a:prstGeom prst="rect">
             <a:avLst/>
@@ -2522,7 +2327,7 @@
                 </a:solidFill>
               </a:defRPr>
             </a:lvl1pPr>
-            <a:lvl2pPr marL="0" indent="457200">
+            <a:lvl2pPr marL="0" indent="0">
               <a:spcBef>
                 <a:spcPts val="300"/>
               </a:spcBef>
@@ -2534,7 +2339,7 @@
                 </a:solidFill>
               </a:defRPr>
             </a:lvl2pPr>
-            <a:lvl3pPr marL="0" indent="914400">
+            <a:lvl3pPr marL="0" indent="0">
               <a:spcBef>
                 <a:spcPts val="300"/>
               </a:spcBef>
@@ -2546,7 +2351,7 @@
                 </a:solidFill>
               </a:defRPr>
             </a:lvl3pPr>
-            <a:lvl4pPr marL="0" indent="1371600">
+            <a:lvl4pPr marL="0" indent="0">
               <a:spcBef>
                 <a:spcPts val="300"/>
               </a:spcBef>
@@ -2558,7 +2363,7 @@
                 </a:solidFill>
               </a:defRPr>
             </a:lvl4pPr>
-            <a:lvl5pPr marL="0" indent="1828800">
+            <a:lvl5pPr marL="0" indent="0">
               <a:spcBef>
                 <a:spcPts val="300"/>
               </a:spcBef>
@@ -2605,7 +2410,7 @@
       </p:sp>
       <p:sp>
         <p:nvSpPr>
-          <p:cNvPr id="116" name="Rectangle 7"/>
+          <p:cNvPr id="109" name="Rectangle 7"/>
           <p:cNvSpPr/>
           <p:nvPr/>
         </p:nvSpPr>
@@ -2625,16 +2430,45 @@
           </a:ln>
         </p:spPr>
         <p:txBody>
-          <a:bodyPr lIns="45719" rIns="45719" anchor="ctr"/>
+          <a:bodyPr lIns="45718" tIns="45718" rIns="45718" bIns="45718" anchor="ctr"/>
           <a:lstStyle/>
           <a:p>
             <a:pPr algn="ctr"/>
+          </a:p>
+        </p:txBody>
+      </p:sp>
+      <p:sp>
+        <p:nvSpPr>
+          <p:cNvPr id="110" name="Rectangle 8"/>
+          <p:cNvSpPr/>
+          <p:nvPr/>
+        </p:nvSpPr>
+        <p:spPr>
+          <a:xfrm>
+            <a:off x="0" y="4875212"/>
+            <a:ext cx="9144000" cy="268289"/>
+          </a:xfrm>
+          <a:prstGeom prst="rect">
+            <a:avLst/>
+          </a:prstGeom>
+          <a:solidFill>
+            <a:srgbClr val="66CCB1"/>
+          </a:solidFill>
+          <a:ln w="12700">
+            <a:miter lim="400000"/>
+          </a:ln>
+        </p:spPr>
+        <p:txBody>
+          <a:bodyPr lIns="45718" tIns="45718" rIns="45718" bIns="45718" anchor="ctr"/>
+          <a:lstStyle/>
+          <a:p>
+            <a:pPr/>
           </a:p>
         </p:txBody>
       </p:sp>
       <p:pic>
         <p:nvPicPr>
-          <p:cNvPr id="117" name="BSGIP ANU Lockup Reversed Mono.pdf" descr="BSGIP ANU Lockup Reversed Mono.pdf"/>
+          <p:cNvPr id="111" name="BSGIP ANU Logo Shield Reversed Mono.pdf" descr="BSGIP ANU Logo Shield Reversed Mono.pdf"/>
           <p:cNvPicPr>
             <a:picLocks noChangeAspect="1"/>
           </p:cNvPicPr>
@@ -2650,8 +2484,8 @@
         </p:blipFill>
         <p:spPr>
           <a:xfrm>
-            <a:off x="462756" y="50800"/>
-            <a:ext cx="3061690" cy="511623"/>
+            <a:off x="462756" y="68656"/>
+            <a:ext cx="2872171" cy="483753"/>
           </a:xfrm>
           <a:prstGeom prst="rect">
             <a:avLst/>
@@ -2663,66 +2497,7 @@
       </p:pic>
       <p:sp>
         <p:nvSpPr>
-          <p:cNvPr id="118" name="Rectangle 8"/>
-          <p:cNvSpPr/>
-          <p:nvPr/>
-        </p:nvSpPr>
-        <p:spPr>
-          <a:xfrm>
-            <a:off x="0" y="4875212"/>
-            <a:ext cx="9144000" cy="268288"/>
-          </a:xfrm>
-          <a:prstGeom prst="rect">
-            <a:avLst/>
-          </a:prstGeom>
-          <a:solidFill>
-            <a:srgbClr val="66CCB1"/>
-          </a:solidFill>
-          <a:ln w="12700">
-            <a:miter lim="400000"/>
-          </a:ln>
-        </p:spPr>
-        <p:txBody>
-          <a:bodyPr lIns="45719" rIns="45719" anchor="ctr"/>
-          <a:lstStyle/>
-          <a:p>
-            <a:pPr/>
-          </a:p>
-        </p:txBody>
-      </p:sp>
-      <p:sp>
-        <p:nvSpPr>
-          <p:cNvPr id="119" name="Text"/>
-          <p:cNvSpPr txBox="1"/>
-          <p:nvPr/>
-        </p:nvSpPr>
-        <p:spPr>
-          <a:xfrm>
-            <a:off x="8280613" y="4870450"/>
-            <a:ext cx="406188" cy="264255"/>
-          </a:xfrm>
-          <a:prstGeom prst="rect">
-            <a:avLst/>
-          </a:prstGeom>
-          <a:ln w="12700">
-            <a:miter lim="400000"/>
-          </a:ln>
-        </p:spPr>
-        <p:txBody>
-          <a:bodyPr wrap="none" lIns="45719" rIns="45719">
-            <a:spAutoFit/>
-          </a:bodyPr>
-          <a:lstStyle/>
-          <a:p>
-            <a:pPr algn="r">
-              <a:defRPr b="1" sz="1200"/>
-            </a:pPr>
-          </a:p>
-        </p:txBody>
-      </p:sp>
-      <p:sp>
-        <p:nvSpPr>
-          <p:cNvPr id="120" name="Slide Number"/>
+          <p:cNvPr id="112" name="Slide Number"/>
           <p:cNvSpPr txBox="1"/>
           <p:nvPr>
             <p:ph type="sldNum" sz="quarter" idx="2"/>
@@ -2797,116 +2572,16 @@
           </a:ln>
         </p:spPr>
         <p:txBody>
-          <a:bodyPr lIns="45719" rIns="45719" anchor="ctr"/>
+          <a:bodyPr lIns="45718" tIns="45718" rIns="45718" bIns="45718" anchor="ctr"/>
           <a:lstStyle/>
           <a:p>
             <a:pPr algn="ctr"/>
-          </a:p>
-        </p:txBody>
-      </p:sp>
-      <p:sp>
-        <p:nvSpPr>
-          <p:cNvPr id="3" name="Title Text"/>
-          <p:cNvSpPr txBox="1"/>
-          <p:nvPr>
-            <p:ph type="title"/>
-          </p:nvPr>
-        </p:nvSpPr>
-        <p:spPr>
-          <a:xfrm>
-            <a:off x="468312" y="573087"/>
-            <a:ext cx="8229601" cy="857251"/>
-          </a:xfrm>
-          <a:prstGeom prst="rect">
-            <a:avLst/>
-          </a:prstGeom>
-          <a:ln w="12700">
-            <a:miter lim="400000"/>
-          </a:ln>
-          <a:extLst>
-            <a:ext uri="{C572A759-6A51-4108-AA02-DFA0A04FC94B}">
-              <ma14:wrappingTextBoxFlag xmlns:ma14="http://schemas.microsoft.com/office/mac/drawingml/2011/main" val="1"/>
-            </a:ext>
-          </a:extLst>
-        </p:spPr>
-        <p:txBody>
-          <a:bodyPr lIns="45719" rIns="45719" anchor="ctr">
-            <a:normAutofit fontScale="100000" lnSpcReduction="0"/>
-          </a:bodyPr>
-          <a:lstStyle/>
-          <a:p>
-            <a:pPr/>
-            <a:r>
-              <a:t>Title Text</a:t>
-            </a:r>
-          </a:p>
-        </p:txBody>
-      </p:sp>
-      <p:sp>
-        <p:nvSpPr>
-          <p:cNvPr id="4" name="Body Level One…"/>
-          <p:cNvSpPr txBox="1"/>
-          <p:nvPr>
-            <p:ph type="body" idx="1"/>
-          </p:nvPr>
-        </p:nvSpPr>
-        <p:spPr>
-          <a:xfrm>
-            <a:off x="457200" y="1436687"/>
-            <a:ext cx="8229600" cy="3157538"/>
-          </a:xfrm>
-          <a:prstGeom prst="rect">
-            <a:avLst/>
-          </a:prstGeom>
-          <a:ln w="12700">
-            <a:miter lim="400000"/>
-          </a:ln>
-          <a:extLst>
-            <a:ext uri="{C572A759-6A51-4108-AA02-DFA0A04FC94B}">
-              <ma14:wrappingTextBoxFlag xmlns:ma14="http://schemas.microsoft.com/office/mac/drawingml/2011/main" val="1"/>
-            </a:ext>
-          </a:extLst>
-        </p:spPr>
-        <p:txBody>
-          <a:bodyPr lIns="45719" rIns="45719">
-            <a:normAutofit fontScale="100000" lnSpcReduction="0"/>
-          </a:bodyPr>
-          <a:lstStyle/>
-          <a:p>
-            <a:pPr/>
-            <a:r>
-              <a:t>Body Level One</a:t>
-            </a:r>
-          </a:p>
-          <a:p>
-            <a:pPr lvl="1"/>
-            <a:r>
-              <a:t>Body Level Two</a:t>
-            </a:r>
-          </a:p>
-          <a:p>
-            <a:pPr lvl="2"/>
-            <a:r>
-              <a:t>Body Level Three</a:t>
-            </a:r>
-          </a:p>
-          <a:p>
-            <a:pPr lvl="3"/>
-            <a:r>
-              <a:t>Body Level Four</a:t>
-            </a:r>
-          </a:p>
-          <a:p>
-            <a:pPr lvl="4"/>
-            <a:r>
-              <a:t>Body Level Five</a:t>
-            </a:r>
           </a:p>
         </p:txBody>
       </p:sp>
       <p:pic>
         <p:nvPicPr>
-          <p:cNvPr id="5" name="BSGIP ANU Lockup Reversed Mono.pdf" descr="BSGIP ANU Lockup Reversed Mono.pdf"/>
+          <p:cNvPr id="3" name="BSGIP ANU Logo Shield Reversed Mono.pdf" descr="BSGIP ANU Logo Shield Reversed Mono.pdf"/>
           <p:cNvPicPr>
             <a:picLocks noChangeAspect="1"/>
           </p:cNvPicPr>
@@ -2916,14 +2591,15 @@
           <a:blip r:embed="rId2">
             <a:extLst/>
           </a:blip>
+          <a:srcRect l="0" t="0" r="0" b="0"/>
           <a:stretch>
             <a:fillRect/>
           </a:stretch>
         </p:blipFill>
         <p:spPr>
           <a:xfrm>
-            <a:off x="462756" y="50800"/>
-            <a:ext cx="3061690" cy="511623"/>
+            <a:off x="462756" y="68656"/>
+            <a:ext cx="2872171" cy="483753"/>
           </a:xfrm>
           <a:prstGeom prst="rect">
             <a:avLst/>
@@ -2935,14 +2611,14 @@
       </p:pic>
       <p:sp>
         <p:nvSpPr>
-          <p:cNvPr id="6" name="Rectangle 8"/>
+          <p:cNvPr id="4" name="Rectangle 8"/>
           <p:cNvSpPr/>
           <p:nvPr/>
         </p:nvSpPr>
         <p:spPr>
           <a:xfrm>
             <a:off x="0" y="4875212"/>
-            <a:ext cx="9144000" cy="268288"/>
+            <a:ext cx="9144000" cy="268289"/>
           </a:xfrm>
           <a:prstGeom prst="rect">
             <a:avLst/>
@@ -2955,7 +2631,7 @@
           </a:ln>
         </p:spPr>
         <p:txBody>
-          <a:bodyPr lIns="45719" rIns="45719" anchor="ctr"/>
+          <a:bodyPr lIns="45718" tIns="45718" rIns="45718" bIns="45718" anchor="ctr"/>
           <a:lstStyle/>
           <a:p>
             <a:pPr/>
@@ -2964,14 +2640,16 @@
       </p:sp>
       <p:sp>
         <p:nvSpPr>
-          <p:cNvPr id="7" name="Text"/>
+          <p:cNvPr id="5" name="Title Text"/>
           <p:cNvSpPr txBox="1"/>
-          <p:nvPr/>
+          <p:nvPr>
+            <p:ph type="title"/>
+          </p:nvPr>
         </p:nvSpPr>
         <p:spPr>
           <a:xfrm>
-            <a:off x="8280613" y="4870450"/>
-            <a:ext cx="406188" cy="264255"/>
+            <a:off x="468312" y="573087"/>
+            <a:ext cx="8229601" cy="857251"/>
           </a:xfrm>
           <a:prstGeom prst="rect">
             <a:avLst/>
@@ -2979,22 +2657,90 @@
           <a:ln w="12700">
             <a:miter lim="400000"/>
           </a:ln>
+          <a:extLst>
+            <a:ext uri="{C572A759-6A51-4108-AA02-DFA0A04FC94B}">
+              <ma14:wrappingTextBoxFlag xmlns:ma14="http://schemas.microsoft.com/office/mac/drawingml/2011/main" val="1"/>
+            </a:ext>
+          </a:extLst>
         </p:spPr>
         <p:txBody>
-          <a:bodyPr wrap="none" lIns="45719" rIns="45719">
-            <a:spAutoFit/>
+          <a:bodyPr lIns="45718" tIns="45718" rIns="45718" bIns="45718" anchor="ctr">
+            <a:normAutofit fontScale="100000" lnSpcReduction="0"/>
           </a:bodyPr>
           <a:lstStyle/>
           <a:p>
-            <a:pPr algn="r">
-              <a:defRPr b="1" sz="1200"/>
-            </a:pPr>
+            <a:pPr/>
+            <a:r>
+              <a:t>Title Text</a:t>
+            </a:r>
           </a:p>
         </p:txBody>
       </p:sp>
       <p:sp>
         <p:nvSpPr>
-          <p:cNvPr id="8" name="Slide Number"/>
+          <p:cNvPr id="6" name="Body Level One…"/>
+          <p:cNvSpPr txBox="1"/>
+          <p:nvPr>
+            <p:ph type="body" idx="1"/>
+          </p:nvPr>
+        </p:nvSpPr>
+        <p:spPr>
+          <a:xfrm>
+            <a:off x="457200" y="1436687"/>
+            <a:ext cx="8229600" cy="3157539"/>
+          </a:xfrm>
+          <a:prstGeom prst="rect">
+            <a:avLst/>
+          </a:prstGeom>
+          <a:ln w="12700">
+            <a:miter lim="400000"/>
+          </a:ln>
+          <a:extLst>
+            <a:ext uri="{C572A759-6A51-4108-AA02-DFA0A04FC94B}">
+              <ma14:wrappingTextBoxFlag xmlns:ma14="http://schemas.microsoft.com/office/mac/drawingml/2011/main" val="1"/>
+            </a:ext>
+          </a:extLst>
+        </p:spPr>
+        <p:txBody>
+          <a:bodyPr lIns="45718" tIns="45718" rIns="45718" bIns="45718">
+            <a:normAutofit fontScale="100000" lnSpcReduction="0"/>
+          </a:bodyPr>
+          <a:lstStyle/>
+          <a:p>
+            <a:pPr/>
+            <a:r>
+              <a:t>Body Level One</a:t>
+            </a:r>
+          </a:p>
+          <a:p>
+            <a:pPr lvl="1"/>
+            <a:r>
+              <a:t>Body Level Two</a:t>
+            </a:r>
+          </a:p>
+          <a:p>
+            <a:pPr lvl="2"/>
+            <a:r>
+              <a:t>Body Level Three</a:t>
+            </a:r>
+          </a:p>
+          <a:p>
+            <a:pPr lvl="3"/>
+            <a:r>
+              <a:t>Body Level Four</a:t>
+            </a:r>
+          </a:p>
+          <a:p>
+            <a:pPr lvl="4"/>
+            <a:r>
+              <a:t>Body Level Five</a:t>
+            </a:r>
+          </a:p>
+        </p:txBody>
+      </p:sp>
+      <p:sp>
+        <p:nvSpPr>
+          <p:cNvPr id="7" name="Slide Number"/>
           <p:cNvSpPr txBox="1"/>
           <p:nvPr>
             <p:ph type="sldNum" sz="quarter" idx="2"/>
@@ -3002,8 +2748,8 @@
         </p:nvSpPr>
         <p:spPr>
           <a:xfrm>
-            <a:off x="8384892" y="4857750"/>
-            <a:ext cx="301909" cy="288824"/>
+            <a:off x="8384895" y="4857750"/>
+            <a:ext cx="301907" cy="288822"/>
           </a:xfrm>
           <a:prstGeom prst="rect">
             <a:avLst/>
@@ -3013,7 +2759,7 @@
           </a:ln>
         </p:spPr>
         <p:txBody>
-          <a:bodyPr wrap="none" lIns="45719" rIns="45719">
+          <a:bodyPr wrap="none" lIns="45718" tIns="45718" rIns="45718" bIns="45718">
             <a:spAutoFit/>
           </a:bodyPr>
           <a:lstStyle>
@@ -3060,9 +2806,6 @@
         <a:buNone/>
         <a:tabLst/>
         <a:defRPr b="0" baseline="0" cap="none" i="0" spc="0" strike="noStrike" sz="3600" u="none">
-          <a:ln>
-            <a:noFill/>
-          </a:ln>
           <a:solidFill>
             <a:srgbClr val="837C85"/>
           </a:solidFill>
@@ -3089,9 +2832,6 @@
         <a:buNone/>
         <a:tabLst/>
         <a:defRPr b="0" baseline="0" cap="none" i="0" spc="0" strike="noStrike" sz="3600" u="none">
-          <a:ln>
-            <a:noFill/>
-          </a:ln>
           <a:solidFill>
             <a:srgbClr val="837C85"/>
           </a:solidFill>
@@ -3118,9 +2858,6 @@
         <a:buNone/>
         <a:tabLst/>
         <a:defRPr b="0" baseline="0" cap="none" i="0" spc="0" strike="noStrike" sz="3600" u="none">
-          <a:ln>
-            <a:noFill/>
-          </a:ln>
           <a:solidFill>
             <a:srgbClr val="837C85"/>
           </a:solidFill>
@@ -3147,9 +2884,6 @@
         <a:buNone/>
         <a:tabLst/>
         <a:defRPr b="0" baseline="0" cap="none" i="0" spc="0" strike="noStrike" sz="3600" u="none">
-          <a:ln>
-            <a:noFill/>
-          </a:ln>
           <a:solidFill>
             <a:srgbClr val="837C85"/>
           </a:solidFill>
@@ -3176,9 +2910,6 @@
         <a:buNone/>
         <a:tabLst/>
         <a:defRPr b="0" baseline="0" cap="none" i="0" spc="0" strike="noStrike" sz="3600" u="none">
-          <a:ln>
-            <a:noFill/>
-          </a:ln>
           <a:solidFill>
             <a:srgbClr val="837C85"/>
           </a:solidFill>
@@ -3189,7 +2920,7 @@
           <a:sym typeface="Arial"/>
         </a:defRPr>
       </a:lvl5pPr>
-      <a:lvl6pPr marL="0" marR="0" indent="457200" algn="l" defTabSz="914400" rtl="0" latinLnBrk="0">
+      <a:lvl6pPr marL="0" marR="0" indent="0" algn="l" defTabSz="914400" rtl="0" latinLnBrk="0">
         <a:lnSpc>
           <a:spcPct val="100000"/>
         </a:lnSpc>
@@ -3205,9 +2936,6 @@
         <a:buNone/>
         <a:tabLst/>
         <a:defRPr b="0" baseline="0" cap="none" i="0" spc="0" strike="noStrike" sz="3600" u="none">
-          <a:ln>
-            <a:noFill/>
-          </a:ln>
           <a:solidFill>
             <a:srgbClr val="837C85"/>
           </a:solidFill>
@@ -3218,7 +2946,7 @@
           <a:sym typeface="Arial"/>
         </a:defRPr>
       </a:lvl6pPr>
-      <a:lvl7pPr marL="0" marR="0" indent="914400" algn="l" defTabSz="914400" rtl="0" latinLnBrk="0">
+      <a:lvl7pPr marL="0" marR="0" indent="0" algn="l" defTabSz="914400" rtl="0" latinLnBrk="0">
         <a:lnSpc>
           <a:spcPct val="100000"/>
         </a:lnSpc>
@@ -3234,9 +2962,6 @@
         <a:buNone/>
         <a:tabLst/>
         <a:defRPr b="0" baseline="0" cap="none" i="0" spc="0" strike="noStrike" sz="3600" u="none">
-          <a:ln>
-            <a:noFill/>
-          </a:ln>
           <a:solidFill>
             <a:srgbClr val="837C85"/>
           </a:solidFill>
@@ -3247,7 +2972,7 @@
           <a:sym typeface="Arial"/>
         </a:defRPr>
       </a:lvl7pPr>
-      <a:lvl8pPr marL="0" marR="0" indent="1371600" algn="l" defTabSz="914400" rtl="0" latinLnBrk="0">
+      <a:lvl8pPr marL="0" marR="0" indent="0" algn="l" defTabSz="914400" rtl="0" latinLnBrk="0">
         <a:lnSpc>
           <a:spcPct val="100000"/>
         </a:lnSpc>
@@ -3263,9 +2988,6 @@
         <a:buNone/>
         <a:tabLst/>
         <a:defRPr b="0" baseline="0" cap="none" i="0" spc="0" strike="noStrike" sz="3600" u="none">
-          <a:ln>
-            <a:noFill/>
-          </a:ln>
           <a:solidFill>
             <a:srgbClr val="837C85"/>
           </a:solidFill>
@@ -3276,7 +2998,7 @@
           <a:sym typeface="Arial"/>
         </a:defRPr>
       </a:lvl8pPr>
-      <a:lvl9pPr marL="0" marR="0" indent="1828800" algn="l" defTabSz="914400" rtl="0" latinLnBrk="0">
+      <a:lvl9pPr marL="0" marR="0" indent="0" algn="l" defTabSz="914400" rtl="0" latinLnBrk="0">
         <a:lnSpc>
           <a:spcPct val="100000"/>
         </a:lnSpc>
@@ -3292,9 +3014,6 @@
         <a:buNone/>
         <a:tabLst/>
         <a:defRPr b="0" baseline="0" cap="none" i="0" spc="0" strike="noStrike" sz="3600" u="none">
-          <a:ln>
-            <a:noFill/>
-          </a:ln>
           <a:solidFill>
             <a:srgbClr val="837C85"/>
           </a:solidFill>
@@ -3323,9 +3042,6 @@
         <a:buChar char="•"/>
         <a:tabLst/>
         <a:defRPr b="0" baseline="0" cap="none" i="0" spc="0" strike="noStrike" sz="3200" u="none">
-          <a:ln>
-            <a:noFill/>
-          </a:ln>
           <a:solidFill>
             <a:srgbClr val="312433"/>
           </a:solidFill>
@@ -3352,9 +3068,6 @@
         <a:buChar char="–"/>
         <a:tabLst/>
         <a:defRPr b="0" baseline="0" cap="none" i="0" spc="0" strike="noStrike" sz="3200" u="none">
-          <a:ln>
-            <a:noFill/>
-          </a:ln>
           <a:solidFill>
             <a:srgbClr val="312433"/>
           </a:solidFill>
@@ -3381,9 +3094,6 @@
         <a:buChar char="•"/>
         <a:tabLst/>
         <a:defRPr b="0" baseline="0" cap="none" i="0" spc="0" strike="noStrike" sz="3200" u="none">
-          <a:ln>
-            <a:noFill/>
-          </a:ln>
           <a:solidFill>
             <a:srgbClr val="312433"/>
           </a:solidFill>
@@ -3410,9 +3120,6 @@
         <a:buChar char="–"/>
         <a:tabLst/>
         <a:defRPr b="0" baseline="0" cap="none" i="0" spc="0" strike="noStrike" sz="3200" u="none">
-          <a:ln>
-            <a:noFill/>
-          </a:ln>
           <a:solidFill>
             <a:srgbClr val="312433"/>
           </a:solidFill>
@@ -3439,9 +3146,6 @@
         <a:buChar char="»"/>
         <a:tabLst/>
         <a:defRPr b="0" baseline="0" cap="none" i="0" spc="0" strike="noStrike" sz="3200" u="none">
-          <a:ln>
-            <a:noFill/>
-          </a:ln>
           <a:solidFill>
             <a:srgbClr val="312433"/>
           </a:solidFill>
@@ -3468,9 +3172,6 @@
         <a:buChar char="»"/>
         <a:tabLst/>
         <a:defRPr b="0" baseline="0" cap="none" i="0" spc="0" strike="noStrike" sz="3200" u="none">
-          <a:ln>
-            <a:noFill/>
-          </a:ln>
           <a:solidFill>
             <a:srgbClr val="312433"/>
           </a:solidFill>
@@ -3497,9 +3198,6 @@
         <a:buChar char="»"/>
         <a:tabLst/>
         <a:defRPr b="0" baseline="0" cap="none" i="0" spc="0" strike="noStrike" sz="3200" u="none">
-          <a:ln>
-            <a:noFill/>
-          </a:ln>
           <a:solidFill>
             <a:srgbClr val="312433"/>
           </a:solidFill>
@@ -3526,9 +3224,6 @@
         <a:buChar char="»"/>
         <a:tabLst/>
         <a:defRPr b="0" baseline="0" cap="none" i="0" spc="0" strike="noStrike" sz="3200" u="none">
-          <a:ln>
-            <a:noFill/>
-          </a:ln>
           <a:solidFill>
             <a:srgbClr val="312433"/>
           </a:solidFill>
@@ -3555,9 +3250,6 @@
         <a:buChar char="»"/>
         <a:tabLst/>
         <a:defRPr b="0" baseline="0" cap="none" i="0" spc="0" strike="noStrike" sz="3200" u="none">
-          <a:ln>
-            <a:noFill/>
-          </a:ln>
           <a:solidFill>
             <a:srgbClr val="312433"/>
           </a:solidFill>
@@ -3586,9 +3278,6 @@
         <a:buNone/>
         <a:tabLst/>
         <a:defRPr b="0" baseline="0" cap="none" i="0" spc="0" strike="noStrike" sz="1400" u="none">
-          <a:ln>
-            <a:noFill/>
-          </a:ln>
           <a:solidFill>
             <a:schemeClr val="tx1"/>
           </a:solidFill>
@@ -3599,7 +3288,7 @@
           <a:sym typeface="Arial"/>
         </a:defRPr>
       </a:lvl1pPr>
-      <a:lvl2pPr marL="0" marR="0" indent="457200" algn="r" defTabSz="914400" rtl="0" latinLnBrk="0">
+      <a:lvl2pPr marL="0" marR="0" indent="0" algn="r" defTabSz="914400" rtl="0" latinLnBrk="0">
         <a:lnSpc>
           <a:spcPct val="100000"/>
         </a:lnSpc>
@@ -3615,9 +3304,6 @@
         <a:buNone/>
         <a:tabLst/>
         <a:defRPr b="0" baseline="0" cap="none" i="0" spc="0" strike="noStrike" sz="1400" u="none">
-          <a:ln>
-            <a:noFill/>
-          </a:ln>
           <a:solidFill>
             <a:schemeClr val="tx1"/>
           </a:solidFill>
@@ -3628,7 +3314,7 @@
           <a:sym typeface="Arial"/>
         </a:defRPr>
       </a:lvl2pPr>
-      <a:lvl3pPr marL="0" marR="0" indent="914400" algn="r" defTabSz="914400" rtl="0" latinLnBrk="0">
+      <a:lvl3pPr marL="0" marR="0" indent="0" algn="r" defTabSz="914400" rtl="0" latinLnBrk="0">
         <a:lnSpc>
           <a:spcPct val="100000"/>
         </a:lnSpc>
@@ -3644,9 +3330,6 @@
         <a:buNone/>
         <a:tabLst/>
         <a:defRPr b="0" baseline="0" cap="none" i="0" spc="0" strike="noStrike" sz="1400" u="none">
-          <a:ln>
-            <a:noFill/>
-          </a:ln>
           <a:solidFill>
             <a:schemeClr val="tx1"/>
           </a:solidFill>
@@ -3657,7 +3340,7 @@
           <a:sym typeface="Arial"/>
         </a:defRPr>
       </a:lvl3pPr>
-      <a:lvl4pPr marL="0" marR="0" indent="1371600" algn="r" defTabSz="914400" rtl="0" latinLnBrk="0">
+      <a:lvl4pPr marL="0" marR="0" indent="0" algn="r" defTabSz="914400" rtl="0" latinLnBrk="0">
         <a:lnSpc>
           <a:spcPct val="100000"/>
         </a:lnSpc>
@@ -3673,9 +3356,6 @@
         <a:buNone/>
         <a:tabLst/>
         <a:defRPr b="0" baseline="0" cap="none" i="0" spc="0" strike="noStrike" sz="1400" u="none">
-          <a:ln>
-            <a:noFill/>
-          </a:ln>
           <a:solidFill>
             <a:schemeClr val="tx1"/>
           </a:solidFill>
@@ -3686,7 +3366,7 @@
           <a:sym typeface="Arial"/>
         </a:defRPr>
       </a:lvl4pPr>
-      <a:lvl5pPr marL="0" marR="0" indent="1828800" algn="r" defTabSz="914400" rtl="0" latinLnBrk="0">
+      <a:lvl5pPr marL="0" marR="0" indent="0" algn="r" defTabSz="914400" rtl="0" latinLnBrk="0">
         <a:lnSpc>
           <a:spcPct val="100000"/>
         </a:lnSpc>
@@ -3702,9 +3382,6 @@
         <a:buNone/>
         <a:tabLst/>
         <a:defRPr b="0" baseline="0" cap="none" i="0" spc="0" strike="noStrike" sz="1400" u="none">
-          <a:ln>
-            <a:noFill/>
-          </a:ln>
           <a:solidFill>
             <a:schemeClr val="tx1"/>
           </a:solidFill>
@@ -3715,7 +3392,7 @@
           <a:sym typeface="Arial"/>
         </a:defRPr>
       </a:lvl5pPr>
-      <a:lvl6pPr marL="0" marR="0" indent="2286000" algn="r" defTabSz="914400" rtl="0" latinLnBrk="0">
+      <a:lvl6pPr marL="0" marR="0" indent="0" algn="r" defTabSz="914400" rtl="0" latinLnBrk="0">
         <a:lnSpc>
           <a:spcPct val="100000"/>
         </a:lnSpc>
@@ -3731,9 +3408,6 @@
         <a:buNone/>
         <a:tabLst/>
         <a:defRPr b="0" baseline="0" cap="none" i="0" spc="0" strike="noStrike" sz="1400" u="none">
-          <a:ln>
-            <a:noFill/>
-          </a:ln>
           <a:solidFill>
             <a:schemeClr val="tx1"/>
           </a:solidFill>
@@ -3744,7 +3418,7 @@
           <a:sym typeface="Arial"/>
         </a:defRPr>
       </a:lvl6pPr>
-      <a:lvl7pPr marL="0" marR="0" indent="2743200" algn="r" defTabSz="914400" rtl="0" latinLnBrk="0">
+      <a:lvl7pPr marL="0" marR="0" indent="0" algn="r" defTabSz="914400" rtl="0" latinLnBrk="0">
         <a:lnSpc>
           <a:spcPct val="100000"/>
         </a:lnSpc>
@@ -3760,9 +3434,6 @@
         <a:buNone/>
         <a:tabLst/>
         <a:defRPr b="0" baseline="0" cap="none" i="0" spc="0" strike="noStrike" sz="1400" u="none">
-          <a:ln>
-            <a:noFill/>
-          </a:ln>
           <a:solidFill>
             <a:schemeClr val="tx1"/>
           </a:solidFill>
@@ -3773,7 +3444,7 @@
           <a:sym typeface="Arial"/>
         </a:defRPr>
       </a:lvl7pPr>
-      <a:lvl8pPr marL="0" marR="0" indent="3200400" algn="r" defTabSz="914400" rtl="0" latinLnBrk="0">
+      <a:lvl8pPr marL="0" marR="0" indent="0" algn="r" defTabSz="914400" rtl="0" latinLnBrk="0">
         <a:lnSpc>
           <a:spcPct val="100000"/>
         </a:lnSpc>
@@ -3789,9 +3460,6 @@
         <a:buNone/>
         <a:tabLst/>
         <a:defRPr b="0" baseline="0" cap="none" i="0" spc="0" strike="noStrike" sz="1400" u="none">
-          <a:ln>
-            <a:noFill/>
-          </a:ln>
           <a:solidFill>
             <a:schemeClr val="tx1"/>
           </a:solidFill>
@@ -3802,7 +3470,7 @@
           <a:sym typeface="Arial"/>
         </a:defRPr>
       </a:lvl8pPr>
-      <a:lvl9pPr marL="0" marR="0" indent="3657600" algn="r" defTabSz="914400" rtl="0" latinLnBrk="0">
+      <a:lvl9pPr marL="0" marR="0" indent="0" algn="r" defTabSz="914400" rtl="0" latinLnBrk="0">
         <a:lnSpc>
           <a:spcPct val="100000"/>
         </a:lnSpc>
@@ -3818,9 +3486,6 @@
         <a:buNone/>
         <a:tabLst/>
         <a:defRPr b="0" baseline="0" cap="none" i="0" spc="0" strike="noStrike" sz="1400" u="none">
-          <a:ln>
-            <a:noFill/>
-          </a:ln>
           <a:solidFill>
             <a:schemeClr val="tx1"/>
           </a:solidFill>
@@ -3855,7 +3520,7 @@
       </p:grpSpPr>
       <p:sp>
         <p:nvSpPr>
-          <p:cNvPr id="129" name="Rectangle 4"/>
+          <p:cNvPr id="121" name="Rectangle 4"/>
           <p:cNvSpPr txBox="1"/>
           <p:nvPr>
             <p:ph type="title"/>
@@ -3863,8 +3528,8 @@
         </p:nvSpPr>
         <p:spPr>
           <a:xfrm>
-            <a:off x="468312" y="1357312"/>
-            <a:ext cx="8207376" cy="646113"/>
+            <a:off x="468312" y="1357311"/>
+            <a:ext cx="8207376" cy="646115"/>
           </a:xfrm>
           <a:prstGeom prst="rect">
             <a:avLst/>
@@ -3880,7 +3545,7 @@
       </p:sp>
       <p:sp>
         <p:nvSpPr>
-          <p:cNvPr id="130" name="Rectangle 5"/>
+          <p:cNvPr id="122" name="Rectangle 5"/>
           <p:cNvSpPr txBox="1"/>
           <p:nvPr>
             <p:ph type="body" sz="quarter" idx="1"/>
@@ -3931,13 +3596,17 @@
       </p:grpSpPr>
       <p:sp>
         <p:nvSpPr>
-          <p:cNvPr id="132" name="Rectangle 2"/>
+          <p:cNvPr id="124" name="Rectangle 2"/>
           <p:cNvSpPr txBox="1"/>
           <p:nvPr>
             <p:ph type="title"/>
           </p:nvPr>
         </p:nvSpPr>
         <p:spPr>
+          <a:xfrm>
+            <a:off x="468312" y="573087"/>
+            <a:ext cx="8229601" cy="857251"/>
+          </a:xfrm>
           <a:prstGeom prst="rect">
             <a:avLst/>
           </a:prstGeom>
@@ -3952,7 +3621,7 @@
       </p:sp>
       <p:sp>
         <p:nvSpPr>
-          <p:cNvPr id="133" name="Rectangle 3"/>
+          <p:cNvPr id="125" name="Rectangle 3"/>
           <p:cNvSpPr txBox="1"/>
           <p:nvPr>
             <p:ph type="body" idx="1"/>
@@ -3960,8 +3629,8 @@
         </p:nvSpPr>
         <p:spPr>
           <a:xfrm>
-            <a:off x="457200" y="1436687"/>
-            <a:ext cx="8229600" cy="3157539"/>
+            <a:off x="457200" y="1436686"/>
+            <a:ext cx="8229600" cy="3157541"/>
           </a:xfrm>
           <a:prstGeom prst="rect">
             <a:avLst/>
@@ -4129,9 +3798,9 @@
         </a:effectStyle>
         <a:effectStyle>
           <a:effectLst>
-            <a:outerShdw sx="100000" sy="100000" kx="0" ky="0" algn="b" rotWithShape="0" blurRad="38100" dist="20000" dir="5400000">
+            <a:outerShdw sx="100000" sy="100000" kx="0" ky="0" algn="b" rotWithShape="0" blurRad="38100" dist="23000" dir="5400000">
               <a:srgbClr val="000000">
-                <a:alpha val="38000"/>
+                <a:alpha val="35000"/>
               </a:srgbClr>
             </a:outerShdw>
           </a:effectLst>
@@ -4193,7 +3862,7 @@
     <a:spDef>
       <a:spPr>
         <a:solidFill>
-          <a:srgbClr val="000000"/>
+          <a:srgbClr val="FFFFFF"/>
         </a:solidFill>
         <a:ln w="25400" cap="flat">
           <a:solidFill>
@@ -4211,7 +3880,7 @@
         </a:effectLst>
         <a:sp3d/>
       </a:spPr>
-      <a:bodyPr rot="0" spcFirstLastPara="1" vertOverflow="overflow" horzOverflow="overflow" vert="horz" wrap="square" lIns="45719" tIns="45719" rIns="45719" bIns="45719" numCol="1" spcCol="38100" rtlCol="0" anchor="ctr" upright="0">
+      <a:bodyPr rot="0" spcFirstLastPara="1" vertOverflow="overflow" horzOverflow="overflow" vert="horz" wrap="square" lIns="45718" tIns="45718" rIns="45718" bIns="45718" numCol="1" spcCol="38100" rtlCol="0" anchor="ctr" upright="0">
         <a:spAutoFit/>
       </a:bodyPr>
       <a:lstStyle>
@@ -4498,9 +4167,9 @@
           <a:round/>
         </a:ln>
         <a:effectLst>
-          <a:outerShdw sx="100000" sy="100000" kx="0" ky="0" algn="b" rotWithShape="0" blurRad="38100" dist="20000" dir="5400000">
+          <a:outerShdw sx="100000" sy="100000" kx="0" ky="0" algn="b" rotWithShape="0" blurRad="38100" dist="23000" dir="5400000">
             <a:srgbClr val="000000">
-              <a:alpha val="38000"/>
+              <a:alpha val="35000"/>
             </a:srgbClr>
           </a:outerShdw>
         </a:effectLst>
@@ -4788,7 +4457,7 @@
         <a:effectLst/>
         <a:sp3d/>
       </a:spPr>
-      <a:bodyPr rot="0" spcFirstLastPara="1" vertOverflow="overflow" horzOverflow="overflow" vert="horz" wrap="square" lIns="45719" tIns="45719" rIns="45719" bIns="45719" numCol="1" spcCol="38100" rtlCol="0" anchor="t" upright="0">
+      <a:bodyPr rot="0" spcFirstLastPara="1" vertOverflow="overflow" horzOverflow="overflow" vert="horz" wrap="square" lIns="45718" tIns="45718" rIns="45718" bIns="45718" numCol="1" spcCol="38100" rtlCol="0" anchor="t" upright="0">
         <a:spAutoFit/>
       </a:bodyPr>
       <a:lstStyle>
@@ -5213,9 +4882,9 @@
         </a:effectStyle>
         <a:effectStyle>
           <a:effectLst>
-            <a:outerShdw sx="100000" sy="100000" kx="0" ky="0" algn="b" rotWithShape="0" blurRad="38100" dist="20000" dir="5400000">
+            <a:outerShdw sx="100000" sy="100000" kx="0" ky="0" algn="b" rotWithShape="0" blurRad="38100" dist="23000" dir="5400000">
               <a:srgbClr val="000000">
-                <a:alpha val="38000"/>
+                <a:alpha val="35000"/>
               </a:srgbClr>
             </a:outerShdw>
           </a:effectLst>
@@ -5277,7 +4946,7 @@
     <a:spDef>
       <a:spPr>
         <a:solidFill>
-          <a:srgbClr val="000000"/>
+          <a:srgbClr val="FFFFFF"/>
         </a:solidFill>
         <a:ln w="25400" cap="flat">
           <a:solidFill>
@@ -5295,7 +4964,7 @@
         </a:effectLst>
         <a:sp3d/>
       </a:spPr>
-      <a:bodyPr rot="0" spcFirstLastPara="1" vertOverflow="overflow" horzOverflow="overflow" vert="horz" wrap="square" lIns="45719" tIns="45719" rIns="45719" bIns="45719" numCol="1" spcCol="38100" rtlCol="0" anchor="ctr" upright="0">
+      <a:bodyPr rot="0" spcFirstLastPara="1" vertOverflow="overflow" horzOverflow="overflow" vert="horz" wrap="square" lIns="45718" tIns="45718" rIns="45718" bIns="45718" numCol="1" spcCol="38100" rtlCol="0" anchor="ctr" upright="0">
         <a:spAutoFit/>
       </a:bodyPr>
       <a:lstStyle>
@@ -5582,9 +5251,9 @@
           <a:round/>
         </a:ln>
         <a:effectLst>
-          <a:outerShdw sx="100000" sy="100000" kx="0" ky="0" algn="b" rotWithShape="0" blurRad="38100" dist="20000" dir="5400000">
+          <a:outerShdw sx="100000" sy="100000" kx="0" ky="0" algn="b" rotWithShape="0" blurRad="38100" dist="23000" dir="5400000">
             <a:srgbClr val="000000">
-              <a:alpha val="38000"/>
+              <a:alpha val="35000"/>
             </a:srgbClr>
           </a:outerShdw>
         </a:effectLst>
@@ -5872,7 +5541,7 @@
         <a:effectLst/>
         <a:sp3d/>
       </a:spPr>
-      <a:bodyPr rot="0" spcFirstLastPara="1" vertOverflow="overflow" horzOverflow="overflow" vert="horz" wrap="square" lIns="45719" tIns="45719" rIns="45719" bIns="45719" numCol="1" spcCol="38100" rtlCol="0" anchor="t" upright="0">
+      <a:bodyPr rot="0" spcFirstLastPara="1" vertOverflow="overflow" horzOverflow="overflow" vert="horz" wrap="square" lIns="45718" tIns="45718" rIns="45718" bIns="45718" numCol="1" spcCol="38100" rtlCol="0" anchor="t" upright="0">
         <a:spAutoFit/>
       </a:bodyPr>
       <a:lstStyle>
